--- a/figure/Presentation1.pptx
+++ b/figure/Presentation1.pptx
@@ -293,7 +293,7 @@
           <a:p>
             <a:fld id="{1D6B3568-9CDD-4B60-8AE5-E229A55C879D}" type="datetimeFigureOut">
               <a:rPr lang="en-US" smtClean="0"/>
-              <a:t>9/7/2016</a:t>
+              <a:t>10/24/2016</a:t>
             </a:fld>
             <a:endParaRPr lang="en-US"/>
           </a:p>
@@ -463,7 +463,7 @@
           <a:p>
             <a:fld id="{1D6B3568-9CDD-4B60-8AE5-E229A55C879D}" type="datetimeFigureOut">
               <a:rPr lang="en-US" smtClean="0"/>
-              <a:t>9/7/2016</a:t>
+              <a:t>10/24/2016</a:t>
             </a:fld>
             <a:endParaRPr lang="en-US"/>
           </a:p>
@@ -643,7 +643,7 @@
           <a:p>
             <a:fld id="{1D6B3568-9CDD-4B60-8AE5-E229A55C879D}" type="datetimeFigureOut">
               <a:rPr lang="en-US" smtClean="0"/>
-              <a:t>9/7/2016</a:t>
+              <a:t>10/24/2016</a:t>
             </a:fld>
             <a:endParaRPr lang="en-US"/>
           </a:p>
@@ -813,7 +813,7 @@
           <a:p>
             <a:fld id="{1D6B3568-9CDD-4B60-8AE5-E229A55C879D}" type="datetimeFigureOut">
               <a:rPr lang="en-US" smtClean="0"/>
-              <a:t>9/7/2016</a:t>
+              <a:t>10/24/2016</a:t>
             </a:fld>
             <a:endParaRPr lang="en-US"/>
           </a:p>
@@ -1059,7 +1059,7 @@
           <a:p>
             <a:fld id="{1D6B3568-9CDD-4B60-8AE5-E229A55C879D}" type="datetimeFigureOut">
               <a:rPr lang="en-US" smtClean="0"/>
-              <a:t>9/7/2016</a:t>
+              <a:t>10/24/2016</a:t>
             </a:fld>
             <a:endParaRPr lang="en-US"/>
           </a:p>
@@ -1347,7 +1347,7 @@
           <a:p>
             <a:fld id="{1D6B3568-9CDD-4B60-8AE5-E229A55C879D}" type="datetimeFigureOut">
               <a:rPr lang="en-US" smtClean="0"/>
-              <a:t>9/7/2016</a:t>
+              <a:t>10/24/2016</a:t>
             </a:fld>
             <a:endParaRPr lang="en-US"/>
           </a:p>
@@ -1769,7 +1769,7 @@
           <a:p>
             <a:fld id="{1D6B3568-9CDD-4B60-8AE5-E229A55C879D}" type="datetimeFigureOut">
               <a:rPr lang="en-US" smtClean="0"/>
-              <a:t>9/7/2016</a:t>
+              <a:t>10/24/2016</a:t>
             </a:fld>
             <a:endParaRPr lang="en-US"/>
           </a:p>
@@ -1887,7 +1887,7 @@
           <a:p>
             <a:fld id="{1D6B3568-9CDD-4B60-8AE5-E229A55C879D}" type="datetimeFigureOut">
               <a:rPr lang="en-US" smtClean="0"/>
-              <a:t>9/7/2016</a:t>
+              <a:t>10/24/2016</a:t>
             </a:fld>
             <a:endParaRPr lang="en-US"/>
           </a:p>
@@ -1982,7 +1982,7 @@
           <a:p>
             <a:fld id="{1D6B3568-9CDD-4B60-8AE5-E229A55C879D}" type="datetimeFigureOut">
               <a:rPr lang="en-US" smtClean="0"/>
-              <a:t>9/7/2016</a:t>
+              <a:t>10/24/2016</a:t>
             </a:fld>
             <a:endParaRPr lang="en-US"/>
           </a:p>
@@ -2259,7 +2259,7 @@
           <a:p>
             <a:fld id="{1D6B3568-9CDD-4B60-8AE5-E229A55C879D}" type="datetimeFigureOut">
               <a:rPr lang="en-US" smtClean="0"/>
-              <a:t>9/7/2016</a:t>
+              <a:t>10/24/2016</a:t>
             </a:fld>
             <a:endParaRPr lang="en-US"/>
           </a:p>
@@ -2512,7 +2512,7 @@
           <a:p>
             <a:fld id="{1D6B3568-9CDD-4B60-8AE5-E229A55C879D}" type="datetimeFigureOut">
               <a:rPr lang="en-US" smtClean="0"/>
-              <a:t>9/7/2016</a:t>
+              <a:t>10/24/2016</a:t>
             </a:fld>
             <a:endParaRPr lang="en-US"/>
           </a:p>
@@ -2725,7 +2725,7 @@
           <a:p>
             <a:fld id="{1D6B3568-9CDD-4B60-8AE5-E229A55C879D}" type="datetimeFigureOut">
               <a:rPr lang="en-US" smtClean="0"/>
-              <a:t>9/7/2016</a:t>
+              <a:t>10/24/2016</a:t>
             </a:fld>
             <a:endParaRPr lang="en-US"/>
           </a:p>
@@ -8245,8 +8245,8 @@
           </a:p>
         </p:txBody>
       </p:sp>
-      <mc:AlternateContent xmlns:mc="http://schemas.openxmlformats.org/markup-compatibility/2006">
-        <mc:Choice xmlns:a14="http://schemas.microsoft.com/office/drawing/2010/main" Requires="a14">
+      <mc:AlternateContent xmlns:mc="http://schemas.openxmlformats.org/markup-compatibility/2006" xmlns:a14="http://schemas.microsoft.com/office/drawing/2010/main">
+        <mc:Choice Requires="a14">
           <p:sp>
             <p:nvSpPr>
               <p:cNvPr id="72" name="TextBox 71"/>
@@ -8291,7 +8291,7 @@
             </p:txBody>
           </p:sp>
         </mc:Choice>
-        <mc:Fallback>
+        <mc:Fallback xmlns="">
           <p:sp>
             <p:nvSpPr>
               <p:cNvPr id="72" name="TextBox 71"/>
@@ -8330,6 +8330,36 @@
           </p:sp>
         </mc:Fallback>
       </mc:AlternateContent>
+      <p:sp>
+        <p:nvSpPr>
+          <p:cNvPr id="73" name="TextBox 72"/>
+          <p:cNvSpPr txBox="1"/>
+          <p:nvPr/>
+        </p:nvSpPr>
+        <p:spPr>
+          <a:xfrm>
+            <a:off x="2667000" y="1182469"/>
+            <a:ext cx="1066318" cy="369332"/>
+          </a:xfrm>
+          <a:prstGeom prst="rect">
+            <a:avLst/>
+          </a:prstGeom>
+          <a:noFill/>
+        </p:spPr>
+        <p:txBody>
+          <a:bodyPr wrap="none" rtlCol="0">
+            <a:spAutoFit/>
+          </a:bodyPr>
+          <a:lstStyle/>
+          <a:p>
+            <a:r>
+              <a:rPr lang="en-US" dirty="0" smtClean="0"/>
+              <a:t>Soft label</a:t>
+            </a:r>
+            <a:endParaRPr lang="en-US" dirty="0" smtClean="0"/>
+          </a:p>
+        </p:txBody>
+      </p:sp>
     </p:spTree>
     <p:extLst>
       <p:ext uri="{BB962C8B-B14F-4D97-AF65-F5344CB8AC3E}">
@@ -9111,8 +9141,8 @@
           <a:chExt cx="0" cy="0"/>
         </a:xfrm>
       </p:grpSpPr>
-      <mc:AlternateContent xmlns:mc="http://schemas.openxmlformats.org/markup-compatibility/2006">
-        <mc:Choice xmlns:a14="http://schemas.microsoft.com/office/drawing/2010/main" Requires="a14">
+      <mc:AlternateContent xmlns:mc="http://schemas.openxmlformats.org/markup-compatibility/2006" xmlns:a14="http://schemas.microsoft.com/office/drawing/2010/main">
+        <mc:Choice Requires="a14">
           <p:sp>
             <p:nvSpPr>
               <p:cNvPr id="32" name="TextBox 31"/>
@@ -9188,7 +9218,7 @@
             </p:txBody>
           </p:sp>
         </mc:Choice>
-        <mc:Fallback>
+        <mc:Fallback xmlns="">
           <p:sp>
             <p:nvSpPr>
               <p:cNvPr id="32" name="TextBox 31"/>
@@ -9309,15 +9339,7 @@
                   <a:schemeClr val="tx1"/>
                 </a:solidFill>
               </a:rPr>
-              <a:t>Student </a:t>
-            </a:r>
-            <a:r>
-              <a:rPr lang="en-US" sz="1500" dirty="0" smtClean="0">
-                <a:solidFill>
-                  <a:schemeClr val="tx1"/>
-                </a:solidFill>
-              </a:rPr>
-              <a:t>Model</a:t>
+              <a:t>Student Model</a:t>
             </a:r>
             <a:endParaRPr lang="en-US" sz="1500" dirty="0">
               <a:solidFill>
@@ -9327,8 +9349,8 @@
           </a:p>
         </p:txBody>
       </p:sp>
-      <mc:AlternateContent xmlns:mc="http://schemas.openxmlformats.org/markup-compatibility/2006">
-        <mc:Choice xmlns:a14="http://schemas.microsoft.com/office/drawing/2010/main" Requires="a14">
+      <mc:AlternateContent xmlns:mc="http://schemas.openxmlformats.org/markup-compatibility/2006" xmlns:a14="http://schemas.microsoft.com/office/drawing/2010/main">
+        <mc:Choice Requires="a14">
           <p:sp>
             <p:nvSpPr>
               <p:cNvPr id="18" name="TextBox 17"/>
@@ -9378,7 +9400,7 @@
             </p:txBody>
           </p:sp>
         </mc:Choice>
-        <mc:Fallback>
+        <mc:Fallback xmlns="">
           <p:sp>
             <p:nvSpPr>
               <p:cNvPr id="18" name="TextBox 17"/>
@@ -9632,8 +9654,8 @@
           </a:fontRef>
         </p:style>
       </p:cxnSp>
-      <mc:AlternateContent xmlns:mc="http://schemas.openxmlformats.org/markup-compatibility/2006">
-        <mc:Choice xmlns:a14="http://schemas.microsoft.com/office/drawing/2010/main" Requires="a14">
+      <mc:AlternateContent xmlns:mc="http://schemas.openxmlformats.org/markup-compatibility/2006" xmlns:a14="http://schemas.microsoft.com/office/drawing/2010/main">
+        <mc:Choice Requires="a14">
           <p:sp>
             <p:nvSpPr>
               <p:cNvPr id="68" name="TextBox 67"/>
@@ -9678,7 +9700,7 @@
             </p:txBody>
           </p:sp>
         </mc:Choice>
-        <mc:Fallback>
+        <mc:Fallback xmlns="">
           <p:sp>
             <p:nvSpPr>
               <p:cNvPr id="68" name="TextBox 67"/>
@@ -9801,8 +9823,8 @@
           </a:p>
         </p:txBody>
       </p:sp>
-      <mc:AlternateContent xmlns:mc="http://schemas.openxmlformats.org/markup-compatibility/2006">
-        <mc:Choice xmlns:a14="http://schemas.microsoft.com/office/drawing/2010/main" Requires="a14">
+      <mc:AlternateContent xmlns:mc="http://schemas.openxmlformats.org/markup-compatibility/2006" xmlns:a14="http://schemas.microsoft.com/office/drawing/2010/main">
+        <mc:Choice Requires="a14">
           <p:sp>
             <p:nvSpPr>
               <p:cNvPr id="72" name="Rounded Rectangle 71"/>
@@ -9849,15 +9871,7 @@
                       <a:schemeClr val="tx1"/>
                     </a:solidFill>
                   </a:rPr>
-                  <a:t>Privileged </a:t>
-                </a:r>
-                <a:r>
-                  <a:rPr lang="en-US" sz="1500" dirty="0" smtClean="0">
-                    <a:solidFill>
-                      <a:schemeClr val="tx1"/>
-                    </a:solidFill>
-                  </a:rPr>
-                  <a:t>Information</a:t>
+                  <a:t>Privileged Information</a:t>
                 </a:r>
               </a:p>
               <a:p>
@@ -9955,7 +9969,7 @@
             </p:txBody>
           </p:sp>
         </mc:Choice>
-        <mc:Fallback>
+        <mc:Fallback xmlns="">
           <p:sp>
             <p:nvSpPr>
               <p:cNvPr id="72" name="Rounded Rectangle 71"/>
@@ -9999,8 +10013,8 @@
           </p:sp>
         </mc:Fallback>
       </mc:AlternateContent>
-      <mc:AlternateContent xmlns:mc="http://schemas.openxmlformats.org/markup-compatibility/2006">
-        <mc:Choice xmlns:a14="http://schemas.microsoft.com/office/drawing/2010/main" Requires="a14">
+      <mc:AlternateContent xmlns:mc="http://schemas.openxmlformats.org/markup-compatibility/2006" xmlns:a14="http://schemas.microsoft.com/office/drawing/2010/main">
+        <mc:Choice Requires="a14">
           <p:sp>
             <p:nvSpPr>
               <p:cNvPr id="73" name="TextBox 72"/>
@@ -10044,7 +10058,7 @@
             </p:txBody>
           </p:sp>
         </mc:Choice>
-        <mc:Fallback>
+        <mc:Fallback xmlns="">
           <p:sp>
             <p:nvSpPr>
               <p:cNvPr id="73" name="TextBox 72"/>
@@ -10419,8 +10433,8 @@
           </a:fontRef>
         </p:style>
       </p:cxnSp>
-      <mc:AlternateContent xmlns:mc="http://schemas.openxmlformats.org/markup-compatibility/2006">
-        <mc:Choice xmlns:a14="http://schemas.microsoft.com/office/drawing/2010/main" Requires="a14">
+      <mc:AlternateContent xmlns:mc="http://schemas.openxmlformats.org/markup-compatibility/2006" xmlns:a14="http://schemas.microsoft.com/office/drawing/2010/main">
+        <mc:Choice Requires="a14">
           <p:sp>
             <p:nvSpPr>
               <p:cNvPr id="81" name="TextBox 80"/>
@@ -10472,7 +10486,7 @@
             </p:txBody>
           </p:sp>
         </mc:Choice>
-        <mc:Fallback>
+        <mc:Fallback xmlns="">
           <p:sp>
             <p:nvSpPr>
               <p:cNvPr id="81" name="TextBox 80"/>
@@ -10550,8 +10564,8 @@
           </a:fontRef>
         </p:style>
       </p:cxnSp>
-      <mc:AlternateContent xmlns:mc="http://schemas.openxmlformats.org/markup-compatibility/2006">
-        <mc:Choice xmlns:a14="http://schemas.microsoft.com/office/drawing/2010/main" Requires="a14">
+      <mc:AlternateContent xmlns:mc="http://schemas.openxmlformats.org/markup-compatibility/2006" xmlns:a14="http://schemas.microsoft.com/office/drawing/2010/main">
+        <mc:Choice Requires="a14">
           <p:sp>
             <p:nvSpPr>
               <p:cNvPr id="83" name="TextBox 82"/>
@@ -10596,7 +10610,7 @@
             </p:txBody>
           </p:sp>
         </mc:Choice>
-        <mc:Fallback>
+        <mc:Fallback xmlns="">
           <p:sp>
             <p:nvSpPr>
               <p:cNvPr id="83" name="TextBox 82"/>
@@ -10672,8 +10686,8 @@
           </a:fontRef>
         </p:style>
       </p:cxnSp>
-      <mc:AlternateContent xmlns:mc="http://schemas.openxmlformats.org/markup-compatibility/2006">
-        <mc:Choice xmlns:a14="http://schemas.microsoft.com/office/drawing/2010/main" Requires="a14">
+      <mc:AlternateContent xmlns:mc="http://schemas.openxmlformats.org/markup-compatibility/2006" xmlns:a14="http://schemas.microsoft.com/office/drawing/2010/main">
+        <mc:Choice Requires="a14">
           <p:sp>
             <p:nvSpPr>
               <p:cNvPr id="98" name="Rounded Rectangle 97"/>
@@ -10752,7 +10766,7 @@
             </p:txBody>
           </p:sp>
         </mc:Choice>
-        <mc:Fallback>
+        <mc:Fallback xmlns="">
           <p:sp>
             <p:nvSpPr>
               <p:cNvPr id="98" name="Rounded Rectangle 97"/>

--- a/figure/Presentation1.pptx
+++ b/figure/Presentation1.pptx
@@ -293,7 +293,7 @@
           <a:p>
             <a:fld id="{1D6B3568-9CDD-4B60-8AE5-E229A55C879D}" type="datetimeFigureOut">
               <a:rPr lang="en-US" smtClean="0"/>
-              <a:t>10/24/2016</a:t>
+              <a:t>10/27/2016</a:t>
             </a:fld>
             <a:endParaRPr lang="en-US"/>
           </a:p>
@@ -463,7 +463,7 @@
           <a:p>
             <a:fld id="{1D6B3568-9CDD-4B60-8AE5-E229A55C879D}" type="datetimeFigureOut">
               <a:rPr lang="en-US" smtClean="0"/>
-              <a:t>10/24/2016</a:t>
+              <a:t>10/27/2016</a:t>
             </a:fld>
             <a:endParaRPr lang="en-US"/>
           </a:p>
@@ -643,7 +643,7 @@
           <a:p>
             <a:fld id="{1D6B3568-9CDD-4B60-8AE5-E229A55C879D}" type="datetimeFigureOut">
               <a:rPr lang="en-US" smtClean="0"/>
-              <a:t>10/24/2016</a:t>
+              <a:t>10/27/2016</a:t>
             </a:fld>
             <a:endParaRPr lang="en-US"/>
           </a:p>
@@ -813,7 +813,7 @@
           <a:p>
             <a:fld id="{1D6B3568-9CDD-4B60-8AE5-E229A55C879D}" type="datetimeFigureOut">
               <a:rPr lang="en-US" smtClean="0"/>
-              <a:t>10/24/2016</a:t>
+              <a:t>10/27/2016</a:t>
             </a:fld>
             <a:endParaRPr lang="en-US"/>
           </a:p>
@@ -1059,7 +1059,7 @@
           <a:p>
             <a:fld id="{1D6B3568-9CDD-4B60-8AE5-E229A55C879D}" type="datetimeFigureOut">
               <a:rPr lang="en-US" smtClean="0"/>
-              <a:t>10/24/2016</a:t>
+              <a:t>10/27/2016</a:t>
             </a:fld>
             <a:endParaRPr lang="en-US"/>
           </a:p>
@@ -1347,7 +1347,7 @@
           <a:p>
             <a:fld id="{1D6B3568-9CDD-4B60-8AE5-E229A55C879D}" type="datetimeFigureOut">
               <a:rPr lang="en-US" smtClean="0"/>
-              <a:t>10/24/2016</a:t>
+              <a:t>10/27/2016</a:t>
             </a:fld>
             <a:endParaRPr lang="en-US"/>
           </a:p>
@@ -1769,7 +1769,7 @@
           <a:p>
             <a:fld id="{1D6B3568-9CDD-4B60-8AE5-E229A55C879D}" type="datetimeFigureOut">
               <a:rPr lang="en-US" smtClean="0"/>
-              <a:t>10/24/2016</a:t>
+              <a:t>10/27/2016</a:t>
             </a:fld>
             <a:endParaRPr lang="en-US"/>
           </a:p>
@@ -1887,7 +1887,7 @@
           <a:p>
             <a:fld id="{1D6B3568-9CDD-4B60-8AE5-E229A55C879D}" type="datetimeFigureOut">
               <a:rPr lang="en-US" smtClean="0"/>
-              <a:t>10/24/2016</a:t>
+              <a:t>10/27/2016</a:t>
             </a:fld>
             <a:endParaRPr lang="en-US"/>
           </a:p>
@@ -1982,7 +1982,7 @@
           <a:p>
             <a:fld id="{1D6B3568-9CDD-4B60-8AE5-E229A55C879D}" type="datetimeFigureOut">
               <a:rPr lang="en-US" smtClean="0"/>
-              <a:t>10/24/2016</a:t>
+              <a:t>10/27/2016</a:t>
             </a:fld>
             <a:endParaRPr lang="en-US"/>
           </a:p>
@@ -2259,7 +2259,7 @@
           <a:p>
             <a:fld id="{1D6B3568-9CDD-4B60-8AE5-E229A55C879D}" type="datetimeFigureOut">
               <a:rPr lang="en-US" smtClean="0"/>
-              <a:t>10/24/2016</a:t>
+              <a:t>10/27/2016</a:t>
             </a:fld>
             <a:endParaRPr lang="en-US"/>
           </a:p>
@@ -2512,7 +2512,7 @@
           <a:p>
             <a:fld id="{1D6B3568-9CDD-4B60-8AE5-E229A55C879D}" type="datetimeFigureOut">
               <a:rPr lang="en-US" smtClean="0"/>
-              <a:t>10/24/2016</a:t>
+              <a:t>10/27/2016</a:t>
             </a:fld>
             <a:endParaRPr lang="en-US"/>
           </a:p>
@@ -2725,7 +2725,7 @@
           <a:p>
             <a:fld id="{1D6B3568-9CDD-4B60-8AE5-E229A55C879D}" type="datetimeFigureOut">
               <a:rPr lang="en-US" smtClean="0"/>
-              <a:t>10/24/2016</a:t>
+              <a:t>10/27/2016</a:t>
             </a:fld>
             <a:endParaRPr lang="en-US"/>
           </a:p>
@@ -5358,7 +5358,7 @@
         </p:nvSpPr>
         <p:spPr>
           <a:xfrm>
-            <a:off x="1828800" y="2057399"/>
+            <a:off x="2201873" y="2895599"/>
             <a:ext cx="484792" cy="1588529"/>
           </a:xfrm>
           <a:prstGeom prst="rect">
@@ -5397,7 +5397,7 @@
         </p:nvSpPr>
         <p:spPr>
           <a:xfrm>
-            <a:off x="152400" y="1981201"/>
+            <a:off x="525473" y="2819401"/>
             <a:ext cx="1066800" cy="533400"/>
           </a:xfrm>
           <a:prstGeom prst="roundRect">
@@ -5448,7 +5448,7 @@
         </p:nvSpPr>
         <p:spPr>
           <a:xfrm>
-            <a:off x="152400" y="2590800"/>
+            <a:off x="525473" y="3429000"/>
             <a:ext cx="1066800" cy="533400"/>
           </a:xfrm>
           <a:prstGeom prst="roundRect">
@@ -5499,7 +5499,7 @@
         </p:nvSpPr>
         <p:spPr>
           <a:xfrm>
-            <a:off x="152400" y="3200400"/>
+            <a:off x="525473" y="4038600"/>
             <a:ext cx="1066800" cy="533400"/>
           </a:xfrm>
           <a:prstGeom prst="roundRect">
@@ -5550,7 +5550,7 @@
         </p:nvCxnSpPr>
         <p:spPr>
           <a:xfrm flipV="1">
-            <a:off x="1264920" y="2235518"/>
+            <a:off x="1637993" y="3073718"/>
             <a:ext cx="495300" cy="2"/>
           </a:xfrm>
           <a:prstGeom prst="straightConnector1">
@@ -5578,8 +5578,8 @@
           </a:fontRef>
         </p:style>
       </p:cxnSp>
-      <mc:AlternateContent xmlns:mc="http://schemas.openxmlformats.org/markup-compatibility/2006" xmlns:a14="http://schemas.microsoft.com/office/drawing/2010/main">
-        <mc:Choice Requires="a14">
+      <mc:AlternateContent xmlns:mc="http://schemas.openxmlformats.org/markup-compatibility/2006">
+        <mc:Choice xmlns:a14="http://schemas.microsoft.com/office/drawing/2010/main" Requires="a14">
           <p:sp>
             <p:nvSpPr>
               <p:cNvPr id="27" name="TextBox 26"/>
@@ -5588,7 +5588,7 @@
             </p:nvSpPr>
             <p:spPr>
               <a:xfrm>
-                <a:off x="1828800" y="2063235"/>
+                <a:off x="2201873" y="2901435"/>
                 <a:ext cx="469552" cy="369332"/>
               </a:xfrm>
               <a:prstGeom prst="rect">
@@ -5650,7 +5650,7 @@
             </p:txBody>
           </p:sp>
         </mc:Choice>
-        <mc:Fallback xmlns="">
+        <mc:Fallback>
           <p:sp>
             <p:nvSpPr>
               <p:cNvPr id="27" name="TextBox 26"/>
@@ -5661,7 +5661,7 @@
             </p:nvSpPr>
             <p:spPr>
               <a:xfrm>
-                <a:off x="1828800" y="2063235"/>
+                <a:off x="2201873" y="2901435"/>
                 <a:ext cx="469552" cy="369332"/>
               </a:xfrm>
               <a:prstGeom prst="rect">
@@ -5679,7 +5679,7 @@
               <a:lstStyle/>
               <a:p>
                 <a:r>
-                  <a:rPr lang="en-US">
+                  <a:rPr lang="zh-CN" altLang="en-US">
                     <a:noFill/>
                   </a:rPr>
                   <a:t> </a:t>
@@ -5697,7 +5697,7 @@
         </p:nvCxnSpPr>
         <p:spPr>
           <a:xfrm flipV="1">
-            <a:off x="1264920" y="2857500"/>
+            <a:off x="1637993" y="3695700"/>
             <a:ext cx="495300" cy="2"/>
           </a:xfrm>
           <a:prstGeom prst="straightConnector1">
@@ -5733,7 +5733,7 @@
         </p:nvCxnSpPr>
         <p:spPr>
           <a:xfrm flipV="1">
-            <a:off x="1264920" y="3467098"/>
+            <a:off x="1637993" y="4305298"/>
             <a:ext cx="495300" cy="2"/>
           </a:xfrm>
           <a:prstGeom prst="straightConnector1">
@@ -5761,8 +5761,8 @@
           </a:fontRef>
         </p:style>
       </p:cxnSp>
-      <mc:AlternateContent xmlns:mc="http://schemas.openxmlformats.org/markup-compatibility/2006" xmlns:a14="http://schemas.microsoft.com/office/drawing/2010/main">
-        <mc:Choice Requires="a14">
+      <mc:AlternateContent xmlns:mc="http://schemas.openxmlformats.org/markup-compatibility/2006">
+        <mc:Choice xmlns:a14="http://schemas.microsoft.com/office/drawing/2010/main" Requires="a14">
           <p:sp>
             <p:nvSpPr>
               <p:cNvPr id="32" name="TextBox 31"/>
@@ -5771,7 +5771,7 @@
             </p:nvSpPr>
             <p:spPr>
               <a:xfrm>
-                <a:off x="1844040" y="2672834"/>
+                <a:off x="2217113" y="3511034"/>
                 <a:ext cx="469552" cy="369332"/>
               </a:xfrm>
               <a:prstGeom prst="rect">
@@ -5833,7 +5833,7 @@
             </p:txBody>
           </p:sp>
         </mc:Choice>
-        <mc:Fallback xmlns="">
+        <mc:Fallback>
           <p:sp>
             <p:nvSpPr>
               <p:cNvPr id="32" name="TextBox 31"/>
@@ -5844,7 +5844,7 @@
             </p:nvSpPr>
             <p:spPr>
               <a:xfrm>
-                <a:off x="1844040" y="2672834"/>
+                <a:off x="2217113" y="3511034"/>
                 <a:ext cx="469552" cy="369332"/>
               </a:xfrm>
               <a:prstGeom prst="rect">
@@ -5862,7 +5862,7 @@
               <a:lstStyle/>
               <a:p>
                 <a:r>
-                  <a:rPr lang="en-US">
+                  <a:rPr lang="zh-CN" altLang="en-US">
                     <a:noFill/>
                   </a:rPr>
                   <a:t> </a:t>
@@ -5872,8 +5872,8 @@
           </p:sp>
         </mc:Fallback>
       </mc:AlternateContent>
-      <mc:AlternateContent xmlns:mc="http://schemas.openxmlformats.org/markup-compatibility/2006" xmlns:a14="http://schemas.microsoft.com/office/drawing/2010/main">
-        <mc:Choice Requires="a14">
+      <mc:AlternateContent xmlns:mc="http://schemas.openxmlformats.org/markup-compatibility/2006">
+        <mc:Choice xmlns:a14="http://schemas.microsoft.com/office/drawing/2010/main" Requires="a14">
           <p:sp>
             <p:nvSpPr>
               <p:cNvPr id="33" name="TextBox 32"/>
@@ -5882,7 +5882,7 @@
             </p:nvSpPr>
             <p:spPr>
               <a:xfrm>
-                <a:off x="1844040" y="3282432"/>
+                <a:off x="2217113" y="4120632"/>
                 <a:ext cx="469552" cy="369332"/>
               </a:xfrm>
               <a:prstGeom prst="rect">
@@ -5944,7 +5944,7 @@
             </p:txBody>
           </p:sp>
         </mc:Choice>
-        <mc:Fallback xmlns="">
+        <mc:Fallback>
           <p:sp>
             <p:nvSpPr>
               <p:cNvPr id="33" name="TextBox 32"/>
@@ -5955,7 +5955,7 @@
             </p:nvSpPr>
             <p:spPr>
               <a:xfrm>
-                <a:off x="1844040" y="3282432"/>
+                <a:off x="2217113" y="4120632"/>
                 <a:ext cx="469552" cy="369332"/>
               </a:xfrm>
               <a:prstGeom prst="rect">
@@ -5973,7 +5973,7 @@
               <a:lstStyle/>
               <a:p>
                 <a:r>
-                  <a:rPr lang="en-US">
+                  <a:rPr lang="zh-CN" altLang="en-US">
                     <a:noFill/>
                   </a:rPr>
                   <a:t> </a:t>
@@ -5983,8 +5983,8 @@
           </p:sp>
         </mc:Fallback>
       </mc:AlternateContent>
-      <mc:AlternateContent xmlns:mc="http://schemas.openxmlformats.org/markup-compatibility/2006" xmlns:a14="http://schemas.microsoft.com/office/drawing/2010/main">
-        <mc:Choice Requires="a14">
+      <mc:AlternateContent xmlns:mc="http://schemas.openxmlformats.org/markup-compatibility/2006">
+        <mc:Choice xmlns:a14="http://schemas.microsoft.com/office/drawing/2010/main" Requires="a14">
           <p:sp>
             <p:nvSpPr>
               <p:cNvPr id="35" name="TextBox 34"/>
@@ -5993,7 +5993,7 @@
             </p:nvSpPr>
             <p:spPr>
               <a:xfrm>
-                <a:off x="3048000" y="1676400"/>
+                <a:off x="3421073" y="2514600"/>
                 <a:ext cx="469552" cy="369332"/>
               </a:xfrm>
               <a:prstGeom prst="rect">
@@ -6055,7 +6055,7 @@
             </p:txBody>
           </p:sp>
         </mc:Choice>
-        <mc:Fallback xmlns="">
+        <mc:Fallback>
           <p:sp>
             <p:nvSpPr>
               <p:cNvPr id="35" name="TextBox 34"/>
@@ -6066,7 +6066,7 @@
             </p:nvSpPr>
             <p:spPr>
               <a:xfrm>
-                <a:off x="3048000" y="1676400"/>
+                <a:off x="3421073" y="2514600"/>
                 <a:ext cx="469552" cy="369332"/>
               </a:xfrm>
               <a:prstGeom prst="rect">
@@ -6075,7 +6075,7 @@
               <a:blipFill rotWithShape="1">
                 <a:blip r:embed="rId5"/>
                 <a:stretch>
-                  <a:fillRect b="-4918"/>
+                  <a:fillRect b="-5000"/>
                 </a:stretch>
               </a:blipFill>
             </p:spPr>
@@ -6084,7 +6084,7 @@
               <a:lstStyle/>
               <a:p>
                 <a:r>
-                  <a:rPr lang="en-US">
+                  <a:rPr lang="zh-CN" altLang="en-US">
                     <a:noFill/>
                   </a:rPr>
                   <a:t> </a:t>
@@ -6094,8 +6094,8 @@
           </p:sp>
         </mc:Fallback>
       </mc:AlternateContent>
-      <mc:AlternateContent xmlns:mc="http://schemas.openxmlformats.org/markup-compatibility/2006" xmlns:a14="http://schemas.microsoft.com/office/drawing/2010/main">
-        <mc:Choice Requires="a14">
+      <mc:AlternateContent xmlns:mc="http://schemas.openxmlformats.org/markup-compatibility/2006">
+        <mc:Choice xmlns:a14="http://schemas.microsoft.com/office/drawing/2010/main" Requires="a14">
           <p:sp>
             <p:nvSpPr>
               <p:cNvPr id="37" name="TextBox 36"/>
@@ -6104,7 +6104,7 @@
             </p:nvSpPr>
             <p:spPr>
               <a:xfrm>
-                <a:off x="3048000" y="2438400"/>
+                <a:off x="3421073" y="3276600"/>
                 <a:ext cx="469552" cy="369332"/>
               </a:xfrm>
               <a:prstGeom prst="rect">
@@ -6166,7 +6166,7 @@
             </p:txBody>
           </p:sp>
         </mc:Choice>
-        <mc:Fallback xmlns="">
+        <mc:Fallback>
           <p:sp>
             <p:nvSpPr>
               <p:cNvPr id="37" name="TextBox 36"/>
@@ -6177,7 +6177,7 @@
             </p:nvSpPr>
             <p:spPr>
               <a:xfrm>
-                <a:off x="3048000" y="2438400"/>
+                <a:off x="3421073" y="3276600"/>
                 <a:ext cx="469552" cy="369332"/>
               </a:xfrm>
               <a:prstGeom prst="rect">
@@ -6186,7 +6186,7 @@
               <a:blipFill rotWithShape="1">
                 <a:blip r:embed="rId6"/>
                 <a:stretch>
-                  <a:fillRect b="-4918"/>
+                  <a:fillRect b="-5000"/>
                 </a:stretch>
               </a:blipFill>
             </p:spPr>
@@ -6195,7 +6195,7 @@
               <a:lstStyle/>
               <a:p>
                 <a:r>
-                  <a:rPr lang="en-US">
+                  <a:rPr lang="zh-CN" altLang="en-US">
                     <a:noFill/>
                   </a:rPr>
                   <a:t> </a:t>
@@ -6205,8 +6205,8 @@
           </p:sp>
         </mc:Fallback>
       </mc:AlternateContent>
-      <mc:AlternateContent xmlns:mc="http://schemas.openxmlformats.org/markup-compatibility/2006" xmlns:a14="http://schemas.microsoft.com/office/drawing/2010/main">
-        <mc:Choice Requires="a14">
+      <mc:AlternateContent xmlns:mc="http://schemas.openxmlformats.org/markup-compatibility/2006">
+        <mc:Choice xmlns:a14="http://schemas.microsoft.com/office/drawing/2010/main" Requires="a14">
           <p:sp>
             <p:nvSpPr>
               <p:cNvPr id="38" name="TextBox 37"/>
@@ -6215,7 +6215,7 @@
             </p:nvSpPr>
             <p:spPr>
               <a:xfrm>
-                <a:off x="3048000" y="3124200"/>
+                <a:off x="3421073" y="3962400"/>
                 <a:ext cx="469552" cy="369332"/>
               </a:xfrm>
               <a:prstGeom prst="rect">
@@ -6277,7 +6277,7 @@
             </p:txBody>
           </p:sp>
         </mc:Choice>
-        <mc:Fallback xmlns="">
+        <mc:Fallback>
           <p:sp>
             <p:nvSpPr>
               <p:cNvPr id="38" name="TextBox 37"/>
@@ -6288,7 +6288,7 @@
             </p:nvSpPr>
             <p:spPr>
               <a:xfrm>
-                <a:off x="3048000" y="3124200"/>
+                <a:off x="3421073" y="3962400"/>
                 <a:ext cx="469552" cy="369332"/>
               </a:xfrm>
               <a:prstGeom prst="rect">
@@ -6297,7 +6297,7 @@
               <a:blipFill rotWithShape="1">
                 <a:blip r:embed="rId7"/>
                 <a:stretch>
-                  <a:fillRect b="-5000"/>
+                  <a:fillRect b="-4918"/>
                 </a:stretch>
               </a:blipFill>
             </p:spPr>
@@ -6306,7 +6306,7 @@
               <a:lstStyle/>
               <a:p>
                 <a:r>
-                  <a:rPr lang="en-US">
+                  <a:rPr lang="zh-CN" altLang="en-US">
                     <a:noFill/>
                   </a:rPr>
                   <a:t> </a:t>
@@ -6316,8 +6316,8 @@
           </p:sp>
         </mc:Fallback>
       </mc:AlternateContent>
-      <mc:AlternateContent xmlns:mc="http://schemas.openxmlformats.org/markup-compatibility/2006" xmlns:a14="http://schemas.microsoft.com/office/drawing/2010/main">
-        <mc:Choice Requires="a14">
+      <mc:AlternateContent xmlns:mc="http://schemas.openxmlformats.org/markup-compatibility/2006">
+        <mc:Choice xmlns:a14="http://schemas.microsoft.com/office/drawing/2010/main" Requires="a14">
           <p:sp>
             <p:nvSpPr>
               <p:cNvPr id="39" name="TextBox 38"/>
@@ -6326,7 +6326,7 @@
             </p:nvSpPr>
             <p:spPr>
               <a:xfrm>
-                <a:off x="4665561" y="3867090"/>
+                <a:off x="5038634" y="4705290"/>
                 <a:ext cx="457200" cy="400110"/>
               </a:xfrm>
               <a:prstGeom prst="rect">
@@ -6361,7 +6361,7 @@
             </p:txBody>
           </p:sp>
         </mc:Choice>
-        <mc:Fallback xmlns="">
+        <mc:Fallback>
           <p:sp>
             <p:nvSpPr>
               <p:cNvPr id="39" name="TextBox 38"/>
@@ -6372,7 +6372,7 @@
             </p:nvSpPr>
             <p:spPr>
               <a:xfrm>
-                <a:off x="4665561" y="3867090"/>
+                <a:off x="5038634" y="4705290"/>
                 <a:ext cx="457200" cy="400110"/>
               </a:xfrm>
               <a:prstGeom prst="rect">
@@ -6390,7 +6390,7 @@
               <a:lstStyle/>
               <a:p>
                 <a:r>
-                  <a:rPr lang="en-US">
+                  <a:rPr lang="zh-CN" altLang="en-US">
                     <a:noFill/>
                   </a:rPr>
                   <a:t> </a:t>
@@ -6408,7 +6408,7 @@
         </p:nvCxnSpPr>
         <p:spPr>
           <a:xfrm flipV="1">
-            <a:off x="2321212" y="2209800"/>
+            <a:off x="2694285" y="3048000"/>
             <a:ext cx="495300" cy="2"/>
           </a:xfrm>
           <a:prstGeom prst="straightConnector1">
@@ -6444,7 +6444,7 @@
         </p:nvCxnSpPr>
         <p:spPr>
           <a:xfrm flipV="1">
-            <a:off x="2321212" y="2831782"/>
+            <a:off x="2694285" y="3669982"/>
             <a:ext cx="495300" cy="2"/>
           </a:xfrm>
           <a:prstGeom prst="straightConnector1">
@@ -6480,7 +6480,7 @@
         </p:nvCxnSpPr>
         <p:spPr>
           <a:xfrm flipV="1">
-            <a:off x="2321212" y="3441380"/>
+            <a:off x="2694285" y="4279580"/>
             <a:ext cx="495300" cy="2"/>
           </a:xfrm>
           <a:prstGeom prst="straightConnector1">
@@ -6516,7 +6516,7 @@
         </p:nvSpPr>
         <p:spPr>
           <a:xfrm>
-            <a:off x="6713527" y="2514601"/>
+            <a:off x="7086600" y="3352801"/>
             <a:ext cx="1219200" cy="752475"/>
           </a:xfrm>
           <a:prstGeom prst="roundRect">
@@ -6559,8 +6559,8 @@
           </a:p>
         </p:txBody>
       </p:sp>
-      <mc:AlternateContent xmlns:mc="http://schemas.openxmlformats.org/markup-compatibility/2006" xmlns:a14="http://schemas.microsoft.com/office/drawing/2010/main">
-        <mc:Choice Requires="a14">
+      <mc:AlternateContent xmlns:mc="http://schemas.openxmlformats.org/markup-compatibility/2006">
+        <mc:Choice xmlns:a14="http://schemas.microsoft.com/office/drawing/2010/main" Requires="a14">
           <p:sp>
             <p:nvSpPr>
               <p:cNvPr id="18" name="TextBox 17"/>
@@ -6569,7 +6569,7 @@
             </p:nvSpPr>
             <p:spPr>
               <a:xfrm>
-                <a:off x="4349398" y="1182469"/>
+                <a:off x="4722471" y="2020669"/>
                 <a:ext cx="1144929" cy="646331"/>
               </a:xfrm>
               <a:prstGeom prst="rect">
@@ -6610,7 +6610,7 @@
             </p:txBody>
           </p:sp>
         </mc:Choice>
-        <mc:Fallback xmlns="">
+        <mc:Fallback>
           <p:sp>
             <p:nvSpPr>
               <p:cNvPr id="18" name="TextBox 17"/>
@@ -6621,7 +6621,7 @@
             </p:nvSpPr>
             <p:spPr>
               <a:xfrm>
-                <a:off x="4349398" y="1182469"/>
+                <a:off x="4722471" y="2020669"/>
                 <a:ext cx="1144929" cy="646331"/>
               </a:xfrm>
               <a:prstGeom prst="rect">
@@ -6630,7 +6630,7 @@
               <a:blipFill rotWithShape="1">
                 <a:blip r:embed="rId9"/>
                 <a:stretch>
-                  <a:fillRect l="-4255" t="-4717" r="-4255" b="-2830"/>
+                  <a:fillRect l="-4787" t="-4673" r="-3723" b="-1869"/>
                 </a:stretch>
               </a:blipFill>
             </p:spPr>
@@ -6639,7 +6639,7 @@
               <a:lstStyle/>
               <a:p>
                 <a:r>
-                  <a:rPr lang="en-US">
+                  <a:rPr lang="zh-CN" altLang="en-US">
                     <a:noFill/>
                   </a:rPr>
                   <a:t> </a:t>
@@ -6657,7 +6657,7 @@
         </p:nvSpPr>
         <p:spPr>
           <a:xfrm>
-            <a:off x="4460819" y="2602676"/>
+            <a:off x="4833892" y="3440876"/>
             <a:ext cx="838200" cy="559136"/>
           </a:xfrm>
           <a:prstGeom prst="roundRect">
@@ -6708,7 +6708,7 @@
         </p:nvCxnSpPr>
         <p:spPr>
           <a:xfrm>
-            <a:off x="3665527" y="2247901"/>
+            <a:off x="4038600" y="3086101"/>
             <a:ext cx="609600" cy="342899"/>
           </a:xfrm>
           <a:prstGeom prst="straightConnector1">
@@ -6745,7 +6745,7 @@
         </p:nvCxnSpPr>
         <p:spPr>
           <a:xfrm>
-            <a:off x="3665527" y="2831782"/>
+            <a:off x="4038600" y="3669982"/>
             <a:ext cx="594360" cy="3"/>
           </a:xfrm>
           <a:prstGeom prst="straightConnector1">
@@ -6782,7 +6782,7 @@
         </p:nvCxnSpPr>
         <p:spPr>
           <a:xfrm flipV="1">
-            <a:off x="3665527" y="3124201"/>
+            <a:off x="4038600" y="3962401"/>
             <a:ext cx="594360" cy="337062"/>
           </a:xfrm>
           <a:prstGeom prst="straightConnector1">
@@ -6821,7 +6821,7 @@
         </p:nvCxnSpPr>
         <p:spPr>
           <a:xfrm>
-            <a:off x="4879919" y="2209800"/>
+            <a:off x="5252992" y="3048000"/>
             <a:ext cx="0" cy="392876"/>
           </a:xfrm>
           <a:prstGeom prst="straightConnector1">
@@ -6858,7 +6858,7 @@
         </p:nvCxnSpPr>
         <p:spPr>
           <a:xfrm flipH="1">
-            <a:off x="6180127" y="2887959"/>
+            <a:off x="6553200" y="3695700"/>
             <a:ext cx="471624" cy="7641"/>
           </a:xfrm>
           <a:prstGeom prst="straightConnector1">
@@ -6886,8 +6886,8 @@
           </a:fontRef>
         </p:style>
       </p:cxnSp>
-      <mc:AlternateContent xmlns:mc="http://schemas.openxmlformats.org/markup-compatibility/2006" xmlns:a14="http://schemas.microsoft.com/office/drawing/2010/main">
-        <mc:Choice Requires="a14">
+      <mc:AlternateContent xmlns:mc="http://schemas.openxmlformats.org/markup-compatibility/2006">
+        <mc:Choice xmlns:a14="http://schemas.microsoft.com/office/drawing/2010/main" Requires="a14">
           <p:sp>
             <p:nvSpPr>
               <p:cNvPr id="63" name="Rectangle 62"/>
@@ -6896,7 +6896,7 @@
             </p:nvSpPr>
             <p:spPr>
               <a:xfrm>
-                <a:off x="5875327" y="2667000"/>
+                <a:off x="6248400" y="3505200"/>
                 <a:ext cx="371384" cy="369332"/>
               </a:xfrm>
               <a:prstGeom prst="rect">
@@ -6952,7 +6952,7 @@
             </p:txBody>
           </p:sp>
         </mc:Choice>
-        <mc:Fallback xmlns="">
+        <mc:Fallback>
           <p:sp>
             <p:nvSpPr>
               <p:cNvPr id="63" name="Rectangle 62"/>
@@ -6963,7 +6963,7 @@
             </p:nvSpPr>
             <p:spPr>
               <a:xfrm>
-                <a:off x="5875327" y="2667000"/>
+                <a:off x="6248400" y="3505200"/>
                 <a:ext cx="371384" cy="369332"/>
               </a:xfrm>
               <a:prstGeom prst="rect">
@@ -6972,7 +6972,7 @@
               <a:blipFill rotWithShape="1">
                 <a:blip r:embed="rId10"/>
                 <a:stretch>
-                  <a:fillRect t="-6667" r="-8197" b="-5000"/>
+                  <a:fillRect t="-6557" r="-8197" b="-4918"/>
                 </a:stretch>
               </a:blipFill>
             </p:spPr>
@@ -6981,7 +6981,7 @@
               <a:lstStyle/>
               <a:p>
                 <a:r>
-                  <a:rPr lang="en-US">
+                  <a:rPr lang="zh-CN" altLang="en-US">
                     <a:noFill/>
                   </a:rPr>
                   <a:t> </a:t>
@@ -6999,7 +6999,7 @@
         </p:nvCxnSpPr>
         <p:spPr>
           <a:xfrm flipH="1">
-            <a:off x="5341927" y="2857500"/>
+            <a:off x="5715000" y="3695700"/>
             <a:ext cx="533400" cy="2"/>
           </a:xfrm>
           <a:prstGeom prst="straightConnector1">
@@ -7028,8 +7028,8 @@
           </a:fontRef>
         </p:style>
       </p:cxnSp>
-      <mc:AlternateContent xmlns:mc="http://schemas.openxmlformats.org/markup-compatibility/2006" xmlns:a14="http://schemas.microsoft.com/office/drawing/2010/main">
-        <mc:Choice Requires="a14">
+      <mc:AlternateContent xmlns:mc="http://schemas.openxmlformats.org/markup-compatibility/2006">
+        <mc:Choice xmlns:a14="http://schemas.microsoft.com/office/drawing/2010/main" Requires="a14">
           <p:sp>
             <p:nvSpPr>
               <p:cNvPr id="68" name="TextBox 67"/>
@@ -7038,7 +7038,7 @@
             </p:nvSpPr>
             <p:spPr>
               <a:xfrm>
-                <a:off x="4876800" y="2223044"/>
+                <a:off x="5249873" y="3061244"/>
                 <a:ext cx="459806" cy="369332"/>
               </a:xfrm>
               <a:prstGeom prst="rect">
@@ -7093,7 +7093,7 @@
             </p:txBody>
           </p:sp>
         </mc:Choice>
-        <mc:Fallback xmlns="">
+        <mc:Fallback>
           <p:sp>
             <p:nvSpPr>
               <p:cNvPr id="68" name="TextBox 67"/>
@@ -7104,7 +7104,7 @@
             </p:nvSpPr>
             <p:spPr>
               <a:xfrm>
-                <a:off x="4876800" y="2223044"/>
+                <a:off x="5249873" y="3061244"/>
                 <a:ext cx="459806" cy="369332"/>
               </a:xfrm>
               <a:prstGeom prst="rect">
@@ -7122,7 +7122,7 @@
               <a:lstStyle/>
               <a:p>
                 <a:r>
-                  <a:rPr lang="en-US">
+                  <a:rPr lang="zh-CN" altLang="en-US">
                     <a:noFill/>
                   </a:rPr>
                   <a:t> </a:t>
@@ -7132,8 +7132,8 @@
           </p:sp>
         </mc:Fallback>
       </mc:AlternateContent>
-      <mc:AlternateContent xmlns:mc="http://schemas.openxmlformats.org/markup-compatibility/2006" xmlns:a14="http://schemas.microsoft.com/office/drawing/2010/main">
-        <mc:Choice Requires="a14">
+      <mc:AlternateContent xmlns:mc="http://schemas.openxmlformats.org/markup-compatibility/2006">
+        <mc:Choice xmlns:a14="http://schemas.microsoft.com/office/drawing/2010/main" Requires="a14">
           <p:sp>
             <p:nvSpPr>
               <p:cNvPr id="69" name="TextBox 68"/>
@@ -7142,7 +7142,7 @@
             </p:nvSpPr>
             <p:spPr>
               <a:xfrm>
-                <a:off x="3665527" y="1916668"/>
+                <a:off x="4038600" y="2754868"/>
                 <a:ext cx="465127" cy="369332"/>
               </a:xfrm>
               <a:prstGeom prst="rect">
@@ -7197,7 +7197,7 @@
             </p:txBody>
           </p:sp>
         </mc:Choice>
-        <mc:Fallback xmlns="">
+        <mc:Fallback>
           <p:sp>
             <p:nvSpPr>
               <p:cNvPr id="69" name="TextBox 68"/>
@@ -7208,7 +7208,7 @@
             </p:nvSpPr>
             <p:spPr>
               <a:xfrm>
-                <a:off x="3665527" y="1916668"/>
+                <a:off x="4038600" y="2754868"/>
                 <a:ext cx="465127" cy="369332"/>
               </a:xfrm>
               <a:prstGeom prst="rect">
@@ -7226,7 +7226,7 @@
               <a:lstStyle/>
               <a:p>
                 <a:r>
-                  <a:rPr lang="en-US">
+                  <a:rPr lang="zh-CN" altLang="en-US">
                     <a:noFill/>
                   </a:rPr>
                   <a:t> </a:t>
@@ -7236,8 +7236,8 @@
           </p:sp>
         </mc:Fallback>
       </mc:AlternateContent>
-      <mc:AlternateContent xmlns:mc="http://schemas.openxmlformats.org/markup-compatibility/2006" xmlns:a14="http://schemas.microsoft.com/office/drawing/2010/main">
-        <mc:Choice Requires="a14">
+      <mc:AlternateContent xmlns:mc="http://schemas.openxmlformats.org/markup-compatibility/2006">
+        <mc:Choice xmlns:a14="http://schemas.microsoft.com/office/drawing/2010/main" Requires="a14">
           <p:sp>
             <p:nvSpPr>
               <p:cNvPr id="70" name="TextBox 69"/>
@@ -7246,7 +7246,7 @@
             </p:nvSpPr>
             <p:spPr>
               <a:xfrm>
-                <a:off x="3665527" y="2459471"/>
+                <a:off x="4038600" y="3297671"/>
                 <a:ext cx="465127" cy="369332"/>
               </a:xfrm>
               <a:prstGeom prst="rect">
@@ -7301,7 +7301,7 @@
             </p:txBody>
           </p:sp>
         </mc:Choice>
-        <mc:Fallback xmlns="">
+        <mc:Fallback>
           <p:sp>
             <p:nvSpPr>
               <p:cNvPr id="70" name="TextBox 69"/>
@@ -7312,7 +7312,7 @@
             </p:nvSpPr>
             <p:spPr>
               <a:xfrm>
-                <a:off x="3665527" y="2459471"/>
+                <a:off x="4038600" y="3297671"/>
                 <a:ext cx="465127" cy="369332"/>
               </a:xfrm>
               <a:prstGeom prst="rect">
@@ -7330,7 +7330,7 @@
               <a:lstStyle/>
               <a:p>
                 <a:r>
-                  <a:rPr lang="en-US">
+                  <a:rPr lang="zh-CN" altLang="en-US">
                     <a:noFill/>
                   </a:rPr>
                   <a:t> </a:t>
@@ -7340,8 +7340,8 @@
           </p:sp>
         </mc:Fallback>
       </mc:AlternateContent>
-      <mc:AlternateContent xmlns:mc="http://schemas.openxmlformats.org/markup-compatibility/2006" xmlns:a14="http://schemas.microsoft.com/office/drawing/2010/main">
-        <mc:Choice Requires="a14">
+      <mc:AlternateContent xmlns:mc="http://schemas.openxmlformats.org/markup-compatibility/2006">
+        <mc:Choice xmlns:a14="http://schemas.microsoft.com/office/drawing/2010/main" Requires="a14">
           <p:sp>
             <p:nvSpPr>
               <p:cNvPr id="71" name="TextBox 70"/>
@@ -7350,7 +7350,7 @@
             </p:nvSpPr>
             <p:spPr>
               <a:xfrm>
-                <a:off x="3657600" y="2907268"/>
+                <a:off x="4030673" y="3745468"/>
                 <a:ext cx="465127" cy="369332"/>
               </a:xfrm>
               <a:prstGeom prst="rect">
@@ -7405,7 +7405,7 @@
             </p:txBody>
           </p:sp>
         </mc:Choice>
-        <mc:Fallback xmlns="">
+        <mc:Fallback>
           <p:sp>
             <p:nvSpPr>
               <p:cNvPr id="71" name="TextBox 70"/>
@@ -7416,7 +7416,7 @@
             </p:nvSpPr>
             <p:spPr>
               <a:xfrm>
-                <a:off x="3657600" y="2907268"/>
+                <a:off x="4030673" y="3745468"/>
                 <a:ext cx="465127" cy="369332"/>
               </a:xfrm>
               <a:prstGeom prst="rect">
@@ -7434,7 +7434,7 @@
               <a:lstStyle/>
               <a:p>
                 <a:r>
-                  <a:rPr lang="en-US">
+                  <a:rPr lang="zh-CN" altLang="en-US">
                     <a:noFill/>
                   </a:rPr>
                   <a:t> </a:t>
@@ -7455,7 +7455,7 @@
         </p:nvCxnSpPr>
         <p:spPr>
           <a:xfrm flipV="1">
-            <a:off x="5122761" y="3267076"/>
+            <a:off x="5495834" y="4105276"/>
             <a:ext cx="2200366" cy="800069"/>
           </a:xfrm>
           <a:prstGeom prst="bentConnector2">
@@ -7495,7 +7495,7 @@
         </p:nvCxnSpPr>
         <p:spPr>
           <a:xfrm rot="10800000">
-            <a:off x="2078817" y="3651765"/>
+            <a:off x="2451890" y="4489965"/>
             <a:ext cx="2586745" cy="415381"/>
           </a:xfrm>
           <a:prstGeom prst="bentConnector2">
@@ -7532,7 +7532,7 @@
         </p:nvCxnSpPr>
         <p:spPr>
           <a:xfrm>
-            <a:off x="2895600" y="2286000"/>
+            <a:off x="3268673" y="3124200"/>
             <a:ext cx="685800" cy="0"/>
           </a:xfrm>
           <a:prstGeom prst="straightConnector1">
@@ -7565,7 +7565,7 @@
         </p:nvSpPr>
         <p:spPr>
           <a:xfrm>
-            <a:off x="2895600" y="1981200"/>
+            <a:off x="3268673" y="2819400"/>
             <a:ext cx="76200" cy="304800"/>
           </a:xfrm>
           <a:prstGeom prst="rect">
@@ -7608,7 +7608,7 @@
         </p:nvSpPr>
         <p:spPr>
           <a:xfrm>
-            <a:off x="3048000" y="1828800"/>
+            <a:off x="3421073" y="2667000"/>
             <a:ext cx="76200" cy="457200"/>
           </a:xfrm>
           <a:prstGeom prst="rect">
@@ -7651,7 +7651,7 @@
         </p:nvSpPr>
         <p:spPr>
           <a:xfrm>
-            <a:off x="3200400" y="1981200"/>
+            <a:off x="3573473" y="2819400"/>
             <a:ext cx="76200" cy="304800"/>
           </a:xfrm>
           <a:prstGeom prst="rect">
@@ -7694,7 +7694,7 @@
         </p:nvSpPr>
         <p:spPr>
           <a:xfrm>
-            <a:off x="3352800" y="2133600"/>
+            <a:off x="3725873" y="2971800"/>
             <a:ext cx="76200" cy="152400"/>
           </a:xfrm>
           <a:prstGeom prst="rect">
@@ -7737,7 +7737,7 @@
         </p:nvCxnSpPr>
         <p:spPr>
           <a:xfrm>
-            <a:off x="2895600" y="3048000"/>
+            <a:off x="3268673" y="3886200"/>
             <a:ext cx="685800" cy="0"/>
           </a:xfrm>
           <a:prstGeom prst="straightConnector1">
@@ -7770,7 +7770,7 @@
         </p:nvSpPr>
         <p:spPr>
           <a:xfrm>
-            <a:off x="2895600" y="2743200"/>
+            <a:off x="3268673" y="3581400"/>
             <a:ext cx="76200" cy="304800"/>
           </a:xfrm>
           <a:prstGeom prst="rect">
@@ -7813,7 +7813,7 @@
         </p:nvSpPr>
         <p:spPr>
           <a:xfrm>
-            <a:off x="3048000" y="2514600"/>
+            <a:off x="3421073" y="3352800"/>
             <a:ext cx="76200" cy="533400"/>
           </a:xfrm>
           <a:prstGeom prst="rect">
@@ -7856,7 +7856,7 @@
         </p:nvSpPr>
         <p:spPr>
           <a:xfrm>
-            <a:off x="3200400" y="2895600"/>
+            <a:off x="3573473" y="3733800"/>
             <a:ext cx="76200" cy="152400"/>
           </a:xfrm>
           <a:prstGeom prst="rect">
@@ -7899,7 +7899,7 @@
         </p:nvSpPr>
         <p:spPr>
           <a:xfrm>
-            <a:off x="3352800" y="2781300"/>
+            <a:off x="3725873" y="3619500"/>
             <a:ext cx="76200" cy="266700"/>
           </a:xfrm>
           <a:prstGeom prst="rect">
@@ -7942,7 +7942,7 @@
         </p:nvCxnSpPr>
         <p:spPr>
           <a:xfrm>
-            <a:off x="2895600" y="3733800"/>
+            <a:off x="3268673" y="4572000"/>
             <a:ext cx="685800" cy="0"/>
           </a:xfrm>
           <a:prstGeom prst="straightConnector1">
@@ -7975,7 +7975,7 @@
         </p:nvSpPr>
         <p:spPr>
           <a:xfrm>
-            <a:off x="2895600" y="3657600"/>
+            <a:off x="3268673" y="4495800"/>
             <a:ext cx="76200" cy="76200"/>
           </a:xfrm>
           <a:prstGeom prst="rect">
@@ -8018,7 +8018,7 @@
         </p:nvSpPr>
         <p:spPr>
           <a:xfrm>
-            <a:off x="3048000" y="3352800"/>
+            <a:off x="3421073" y="4191000"/>
             <a:ext cx="76200" cy="381000"/>
           </a:xfrm>
           <a:prstGeom prst="rect">
@@ -8061,7 +8061,7 @@
         </p:nvSpPr>
         <p:spPr>
           <a:xfrm>
-            <a:off x="3200400" y="3543300"/>
+            <a:off x="3573473" y="4381500"/>
             <a:ext cx="76200" cy="190500"/>
           </a:xfrm>
           <a:prstGeom prst="rect">
@@ -8104,7 +8104,7 @@
         </p:nvSpPr>
         <p:spPr>
           <a:xfrm>
-            <a:off x="3352800" y="3429000"/>
+            <a:off x="3725873" y="4267200"/>
             <a:ext cx="76200" cy="304800"/>
           </a:xfrm>
           <a:prstGeom prst="rect">
@@ -8147,7 +8147,7 @@
         </p:nvCxnSpPr>
         <p:spPr>
           <a:xfrm>
-            <a:off x="4551261" y="2110740"/>
+            <a:off x="4924334" y="2948940"/>
             <a:ext cx="685800" cy="0"/>
           </a:xfrm>
           <a:prstGeom prst="straightConnector1">
@@ -8180,7 +8180,7 @@
         </p:nvSpPr>
         <p:spPr>
           <a:xfrm>
-            <a:off x="4703661" y="1577340"/>
+            <a:off x="5076734" y="2415540"/>
             <a:ext cx="76200" cy="533400"/>
           </a:xfrm>
           <a:prstGeom prst="rect">
@@ -8223,7 +8223,7 @@
         </p:nvSpPr>
         <p:spPr>
           <a:xfrm>
-            <a:off x="4253755" y="3505200"/>
+            <a:off x="4626828" y="4343400"/>
             <a:ext cx="1152751" cy="369332"/>
           </a:xfrm>
           <a:prstGeom prst="rect">
@@ -8245,8 +8245,8 @@
           </a:p>
         </p:txBody>
       </p:sp>
-      <mc:AlternateContent xmlns:mc="http://schemas.openxmlformats.org/markup-compatibility/2006" xmlns:a14="http://schemas.microsoft.com/office/drawing/2010/main">
-        <mc:Choice Requires="a14">
+      <mc:AlternateContent xmlns:mc="http://schemas.openxmlformats.org/markup-compatibility/2006">
+        <mc:Choice xmlns:a14="http://schemas.microsoft.com/office/drawing/2010/main" Requires="a14">
           <p:sp>
             <p:nvSpPr>
               <p:cNvPr id="72" name="TextBox 71"/>
@@ -8255,7 +8255,7 @@
             </p:nvSpPr>
             <p:spPr>
               <a:xfrm>
-                <a:off x="2378617" y="2447807"/>
+                <a:off x="2751690" y="3286007"/>
                 <a:ext cx="380489" cy="369332"/>
               </a:xfrm>
               <a:prstGeom prst="rect">
@@ -8291,7 +8291,7 @@
             </p:txBody>
           </p:sp>
         </mc:Choice>
-        <mc:Fallback xmlns="">
+        <mc:Fallback>
           <p:sp>
             <p:nvSpPr>
               <p:cNvPr id="72" name="TextBox 71"/>
@@ -8302,7 +8302,7 @@
             </p:nvSpPr>
             <p:spPr>
               <a:xfrm>
-                <a:off x="2378617" y="2447807"/>
+                <a:off x="2751690" y="3286007"/>
                 <a:ext cx="380489" cy="369332"/>
               </a:xfrm>
               <a:prstGeom prst="rect">
@@ -8320,7 +8320,7 @@
               <a:lstStyle/>
               <a:p>
                 <a:r>
-                  <a:rPr lang="en-US">
+                  <a:rPr lang="zh-CN" altLang="en-US">
                     <a:noFill/>
                   </a:rPr>
                   <a:t> </a:t>
@@ -8338,7 +8338,7 @@
         </p:nvSpPr>
         <p:spPr>
           <a:xfrm>
-            <a:off x="2667000" y="1182469"/>
+            <a:off x="3040073" y="2020669"/>
             <a:ext cx="1066318" cy="369332"/>
           </a:xfrm>
           <a:prstGeom prst="rect">
@@ -8356,7 +8356,480 @@
               <a:rPr lang="en-US" dirty="0" smtClean="0"/>
               <a:t>Soft label</a:t>
             </a:r>
-            <a:endParaRPr lang="en-US" dirty="0" smtClean="0"/>
+          </a:p>
+        </p:txBody>
+      </p:sp>
+      <p:sp>
+        <p:nvSpPr>
+          <p:cNvPr id="74" name="TextBox 73"/>
+          <p:cNvSpPr txBox="1"/>
+          <p:nvPr/>
+        </p:nvSpPr>
+        <p:spPr>
+          <a:xfrm>
+            <a:off x="5859473" y="2935069"/>
+            <a:ext cx="1141851" cy="646331"/>
+          </a:xfrm>
+          <a:prstGeom prst="rect">
+            <a:avLst/>
+          </a:prstGeom>
+          <a:noFill/>
+        </p:spPr>
+        <p:txBody>
+          <a:bodyPr wrap="none" rtlCol="0">
+            <a:spAutoFit/>
+          </a:bodyPr>
+          <a:lstStyle/>
+          <a:p>
+            <a:pPr algn="ctr"/>
+            <a:r>
+              <a:rPr lang="en-US" dirty="0" smtClean="0"/>
+              <a:t>Target</a:t>
+            </a:r>
+          </a:p>
+          <a:p>
+            <a:pPr algn="ctr"/>
+            <a:r>
+              <a:rPr lang="en-US" dirty="0" smtClean="0"/>
+              <a:t>Prediction</a:t>
+            </a:r>
+          </a:p>
+        </p:txBody>
+      </p:sp>
+      <p:grpSp>
+        <p:nvGrpSpPr>
+          <p:cNvPr id="3" name="组合 2"/>
+          <p:cNvGrpSpPr/>
+          <p:nvPr/>
+        </p:nvGrpSpPr>
+        <p:grpSpPr>
+          <a:xfrm>
+            <a:off x="1096973" y="609600"/>
+            <a:ext cx="6370627" cy="914400"/>
+            <a:chOff x="1096973" y="990600"/>
+            <a:chExt cx="6370627" cy="914400"/>
+          </a:xfrm>
+        </p:grpSpPr>
+        <p:pic>
+          <p:nvPicPr>
+            <p:cNvPr id="75" name="table"/>
+            <p:cNvPicPr>
+              <a:picLocks noChangeAspect="1"/>
+            </p:cNvPicPr>
+            <p:nvPr/>
+          </p:nvPicPr>
+          <p:blipFill>
+            <a:blip r:embed="rId16"/>
+            <a:stretch>
+              <a:fillRect/>
+            </a:stretch>
+          </p:blipFill>
+          <p:spPr>
+            <a:xfrm>
+              <a:off x="2697173" y="1473200"/>
+              <a:ext cx="2057400" cy="365760"/>
+            </a:xfrm>
+            <a:prstGeom prst="rect">
+              <a:avLst/>
+            </a:prstGeom>
+          </p:spPr>
+        </p:pic>
+        <p:pic>
+          <p:nvPicPr>
+            <p:cNvPr id="76" name="table"/>
+            <p:cNvPicPr>
+              <a:picLocks noChangeAspect="1"/>
+            </p:cNvPicPr>
+            <p:nvPr/>
+          </p:nvPicPr>
+          <p:blipFill>
+            <a:blip r:embed="rId17"/>
+            <a:stretch>
+              <a:fillRect/>
+            </a:stretch>
+          </p:blipFill>
+          <p:spPr>
+            <a:xfrm>
+              <a:off x="5135573" y="1463040"/>
+              <a:ext cx="2057400" cy="365760"/>
+            </a:xfrm>
+            <a:prstGeom prst="rect">
+              <a:avLst/>
+            </a:prstGeom>
+          </p:spPr>
+        </p:pic>
+        <p:sp>
+          <p:nvSpPr>
+            <p:cNvPr id="77" name="TextBox 5"/>
+            <p:cNvSpPr txBox="1"/>
+            <p:nvPr/>
+          </p:nvSpPr>
+          <p:spPr>
+            <a:xfrm>
+              <a:off x="2697173" y="990600"/>
+              <a:ext cx="2057400" cy="369332"/>
+            </a:xfrm>
+            <a:prstGeom prst="rect">
+              <a:avLst/>
+            </a:prstGeom>
+            <a:noFill/>
+          </p:spPr>
+          <p:txBody>
+            <a:bodyPr wrap="square" rtlCol="0">
+              <a:spAutoFit/>
+            </a:bodyPr>
+            <a:lstStyle>
+              <a:defPPr>
+                <a:defRPr lang="en-US"/>
+              </a:defPPr>
+              <a:lvl1pPr marL="0" algn="l" defTabSz="914400" rtl="0" eaLnBrk="1" latinLnBrk="0" hangingPunct="1">
+                <a:defRPr sz="1800" kern="1200">
+                  <a:solidFill>
+                    <a:schemeClr val="tx1"/>
+                  </a:solidFill>
+                  <a:latin typeface="+mn-lt"/>
+                  <a:ea typeface="+mn-ea"/>
+                  <a:cs typeface="+mn-cs"/>
+                </a:defRPr>
+              </a:lvl1pPr>
+              <a:lvl2pPr marL="457200" algn="l" defTabSz="914400" rtl="0" eaLnBrk="1" latinLnBrk="0" hangingPunct="1">
+                <a:defRPr sz="1800" kern="1200">
+                  <a:solidFill>
+                    <a:schemeClr val="tx1"/>
+                  </a:solidFill>
+                  <a:latin typeface="+mn-lt"/>
+                  <a:ea typeface="+mn-ea"/>
+                  <a:cs typeface="+mn-cs"/>
+                </a:defRPr>
+              </a:lvl2pPr>
+              <a:lvl3pPr marL="914400" algn="l" defTabSz="914400" rtl="0" eaLnBrk="1" latinLnBrk="0" hangingPunct="1">
+                <a:defRPr sz="1800" kern="1200">
+                  <a:solidFill>
+                    <a:schemeClr val="tx1"/>
+                  </a:solidFill>
+                  <a:latin typeface="+mn-lt"/>
+                  <a:ea typeface="+mn-ea"/>
+                  <a:cs typeface="+mn-cs"/>
+                </a:defRPr>
+              </a:lvl3pPr>
+              <a:lvl4pPr marL="1371600" algn="l" defTabSz="914400" rtl="0" eaLnBrk="1" latinLnBrk="0" hangingPunct="1">
+                <a:defRPr sz="1800" kern="1200">
+                  <a:solidFill>
+                    <a:schemeClr val="tx1"/>
+                  </a:solidFill>
+                  <a:latin typeface="+mn-lt"/>
+                  <a:ea typeface="+mn-ea"/>
+                  <a:cs typeface="+mn-cs"/>
+                </a:defRPr>
+              </a:lvl4pPr>
+              <a:lvl5pPr marL="1828800" algn="l" defTabSz="914400" rtl="0" eaLnBrk="1" latinLnBrk="0" hangingPunct="1">
+                <a:defRPr sz="1800" kern="1200">
+                  <a:solidFill>
+                    <a:schemeClr val="tx1"/>
+                  </a:solidFill>
+                  <a:latin typeface="+mn-lt"/>
+                  <a:ea typeface="+mn-ea"/>
+                  <a:cs typeface="+mn-cs"/>
+                </a:defRPr>
+              </a:lvl5pPr>
+              <a:lvl6pPr marL="2286000" algn="l" defTabSz="914400" rtl="0" eaLnBrk="1" latinLnBrk="0" hangingPunct="1">
+                <a:defRPr sz="1800" kern="1200">
+                  <a:solidFill>
+                    <a:schemeClr val="tx1"/>
+                  </a:solidFill>
+                  <a:latin typeface="+mn-lt"/>
+                  <a:ea typeface="+mn-ea"/>
+                  <a:cs typeface="+mn-cs"/>
+                </a:defRPr>
+              </a:lvl6pPr>
+              <a:lvl7pPr marL="2743200" algn="l" defTabSz="914400" rtl="0" eaLnBrk="1" latinLnBrk="0" hangingPunct="1">
+                <a:defRPr sz="1800" kern="1200">
+                  <a:solidFill>
+                    <a:schemeClr val="tx1"/>
+                  </a:solidFill>
+                  <a:latin typeface="+mn-lt"/>
+                  <a:ea typeface="+mn-ea"/>
+                  <a:cs typeface="+mn-cs"/>
+                </a:defRPr>
+              </a:lvl7pPr>
+              <a:lvl8pPr marL="3200400" algn="l" defTabSz="914400" rtl="0" eaLnBrk="1" latinLnBrk="0" hangingPunct="1">
+                <a:defRPr sz="1800" kern="1200">
+                  <a:solidFill>
+                    <a:schemeClr val="tx1"/>
+                  </a:solidFill>
+                  <a:latin typeface="+mn-lt"/>
+                  <a:ea typeface="+mn-ea"/>
+                  <a:cs typeface="+mn-cs"/>
+                </a:defRPr>
+              </a:lvl8pPr>
+              <a:lvl9pPr marL="3657600" algn="l" defTabSz="914400" rtl="0" eaLnBrk="1" latinLnBrk="0" hangingPunct="1">
+                <a:defRPr sz="1800" kern="1200">
+                  <a:solidFill>
+                    <a:schemeClr val="tx1"/>
+                  </a:solidFill>
+                  <a:latin typeface="+mn-lt"/>
+                  <a:ea typeface="+mn-ea"/>
+                  <a:cs typeface="+mn-cs"/>
+                </a:defRPr>
+              </a:lvl9pPr>
+            </a:lstStyle>
+            <a:p>
+              <a:pPr algn="ctr"/>
+              <a:r>
+                <a:rPr lang="en-US" altLang="zh-CN" dirty="0" smtClean="0"/>
+                <a:t>Labeled data</a:t>
+              </a:r>
+              <a:endParaRPr lang="zh-CN" altLang="en-US" dirty="0"/>
+            </a:p>
+          </p:txBody>
+        </p:sp>
+        <p:sp>
+          <p:nvSpPr>
+            <p:cNvPr id="78" name="TextBox 6"/>
+            <p:cNvSpPr txBox="1"/>
+            <p:nvPr/>
+          </p:nvSpPr>
+          <p:spPr>
+            <a:xfrm>
+              <a:off x="5135573" y="1009650"/>
+              <a:ext cx="2057400" cy="369332"/>
+            </a:xfrm>
+            <a:prstGeom prst="rect">
+              <a:avLst/>
+            </a:prstGeom>
+            <a:noFill/>
+          </p:spPr>
+          <p:txBody>
+            <a:bodyPr wrap="square" rtlCol="0">
+              <a:spAutoFit/>
+            </a:bodyPr>
+            <a:lstStyle>
+              <a:defPPr>
+                <a:defRPr lang="en-US"/>
+              </a:defPPr>
+              <a:lvl1pPr marL="0" algn="l" defTabSz="914400" rtl="0" eaLnBrk="1" latinLnBrk="0" hangingPunct="1">
+                <a:defRPr sz="1800" kern="1200">
+                  <a:solidFill>
+                    <a:schemeClr val="tx1"/>
+                  </a:solidFill>
+                  <a:latin typeface="+mn-lt"/>
+                  <a:ea typeface="+mn-ea"/>
+                  <a:cs typeface="+mn-cs"/>
+                </a:defRPr>
+              </a:lvl1pPr>
+              <a:lvl2pPr marL="457200" algn="l" defTabSz="914400" rtl="0" eaLnBrk="1" latinLnBrk="0" hangingPunct="1">
+                <a:defRPr sz="1800" kern="1200">
+                  <a:solidFill>
+                    <a:schemeClr val="tx1"/>
+                  </a:solidFill>
+                  <a:latin typeface="+mn-lt"/>
+                  <a:ea typeface="+mn-ea"/>
+                  <a:cs typeface="+mn-cs"/>
+                </a:defRPr>
+              </a:lvl2pPr>
+              <a:lvl3pPr marL="914400" algn="l" defTabSz="914400" rtl="0" eaLnBrk="1" latinLnBrk="0" hangingPunct="1">
+                <a:defRPr sz="1800" kern="1200">
+                  <a:solidFill>
+                    <a:schemeClr val="tx1"/>
+                  </a:solidFill>
+                  <a:latin typeface="+mn-lt"/>
+                  <a:ea typeface="+mn-ea"/>
+                  <a:cs typeface="+mn-cs"/>
+                </a:defRPr>
+              </a:lvl3pPr>
+              <a:lvl4pPr marL="1371600" algn="l" defTabSz="914400" rtl="0" eaLnBrk="1" latinLnBrk="0" hangingPunct="1">
+                <a:defRPr sz="1800" kern="1200">
+                  <a:solidFill>
+                    <a:schemeClr val="tx1"/>
+                  </a:solidFill>
+                  <a:latin typeface="+mn-lt"/>
+                  <a:ea typeface="+mn-ea"/>
+                  <a:cs typeface="+mn-cs"/>
+                </a:defRPr>
+              </a:lvl4pPr>
+              <a:lvl5pPr marL="1828800" algn="l" defTabSz="914400" rtl="0" eaLnBrk="1" latinLnBrk="0" hangingPunct="1">
+                <a:defRPr sz="1800" kern="1200">
+                  <a:solidFill>
+                    <a:schemeClr val="tx1"/>
+                  </a:solidFill>
+                  <a:latin typeface="+mn-lt"/>
+                  <a:ea typeface="+mn-ea"/>
+                  <a:cs typeface="+mn-cs"/>
+                </a:defRPr>
+              </a:lvl5pPr>
+              <a:lvl6pPr marL="2286000" algn="l" defTabSz="914400" rtl="0" eaLnBrk="1" latinLnBrk="0" hangingPunct="1">
+                <a:defRPr sz="1800" kern="1200">
+                  <a:solidFill>
+                    <a:schemeClr val="tx1"/>
+                  </a:solidFill>
+                  <a:latin typeface="+mn-lt"/>
+                  <a:ea typeface="+mn-ea"/>
+                  <a:cs typeface="+mn-cs"/>
+                </a:defRPr>
+              </a:lvl6pPr>
+              <a:lvl7pPr marL="2743200" algn="l" defTabSz="914400" rtl="0" eaLnBrk="1" latinLnBrk="0" hangingPunct="1">
+                <a:defRPr sz="1800" kern="1200">
+                  <a:solidFill>
+                    <a:schemeClr val="tx1"/>
+                  </a:solidFill>
+                  <a:latin typeface="+mn-lt"/>
+                  <a:ea typeface="+mn-ea"/>
+                  <a:cs typeface="+mn-cs"/>
+                </a:defRPr>
+              </a:lvl7pPr>
+              <a:lvl8pPr marL="3200400" algn="l" defTabSz="914400" rtl="0" eaLnBrk="1" latinLnBrk="0" hangingPunct="1">
+                <a:defRPr sz="1800" kern="1200">
+                  <a:solidFill>
+                    <a:schemeClr val="tx1"/>
+                  </a:solidFill>
+                  <a:latin typeface="+mn-lt"/>
+                  <a:ea typeface="+mn-ea"/>
+                  <a:cs typeface="+mn-cs"/>
+                </a:defRPr>
+              </a:lvl8pPr>
+              <a:lvl9pPr marL="3657600" algn="l" defTabSz="914400" rtl="0" eaLnBrk="1" latinLnBrk="0" hangingPunct="1">
+                <a:defRPr sz="1800" kern="1200">
+                  <a:solidFill>
+                    <a:schemeClr val="tx1"/>
+                  </a:solidFill>
+                  <a:latin typeface="+mn-lt"/>
+                  <a:ea typeface="+mn-ea"/>
+                  <a:cs typeface="+mn-cs"/>
+                </a:defRPr>
+              </a:lvl9pPr>
+            </a:lstStyle>
+            <a:p>
+              <a:pPr algn="ctr"/>
+              <a:r>
+                <a:rPr lang="en-US" altLang="zh-CN" dirty="0" smtClean="0"/>
+                <a:t>Unlabeled data</a:t>
+              </a:r>
+              <a:endParaRPr lang="zh-CN" altLang="en-US" dirty="0"/>
+            </a:p>
+          </p:txBody>
+        </p:sp>
+        <p:sp>
+          <p:nvSpPr>
+            <p:cNvPr id="79" name="TextBox 78"/>
+            <p:cNvSpPr txBox="1"/>
+            <p:nvPr/>
+          </p:nvSpPr>
+          <p:spPr>
+            <a:xfrm>
+              <a:off x="1096973" y="1270337"/>
+              <a:ext cx="1220975" cy="369332"/>
+            </a:xfrm>
+            <a:prstGeom prst="rect">
+              <a:avLst/>
+            </a:prstGeom>
+            <a:noFill/>
+          </p:spPr>
+          <p:txBody>
+            <a:bodyPr wrap="none" rtlCol="0">
+              <a:spAutoFit/>
+            </a:bodyPr>
+            <a:lstStyle/>
+            <a:p>
+              <a:r>
+                <a:rPr lang="en-US" dirty="0" smtClean="0"/>
+                <a:t>Fake Label:</a:t>
+              </a:r>
+              <a:endParaRPr lang="en-US" dirty="0" smtClean="0"/>
+            </a:p>
+          </p:txBody>
+        </p:sp>
+        <p:sp>
+          <p:nvSpPr>
+            <p:cNvPr id="2" name="矩形 1"/>
+            <p:cNvSpPr/>
+            <p:nvPr/>
+          </p:nvSpPr>
+          <p:spPr>
+            <a:xfrm>
+              <a:off x="1145212" y="990600"/>
+              <a:ext cx="6322388" cy="914400"/>
+            </a:xfrm>
+            <a:prstGeom prst="rect">
+              <a:avLst/>
+            </a:prstGeom>
+            <a:noFill/>
+            <a:ln>
+              <a:solidFill>
+                <a:schemeClr val="tx1"/>
+              </a:solidFill>
+              <a:prstDash val="dash"/>
+            </a:ln>
+          </p:spPr>
+          <p:style>
+            <a:lnRef idx="2">
+              <a:schemeClr val="accent1">
+                <a:shade val="50000"/>
+              </a:schemeClr>
+            </a:lnRef>
+            <a:fillRef idx="1">
+              <a:schemeClr val="accent1"/>
+            </a:fillRef>
+            <a:effectRef idx="0">
+              <a:schemeClr val="accent1"/>
+            </a:effectRef>
+            <a:fontRef idx="minor">
+              <a:schemeClr val="lt1"/>
+            </a:fontRef>
+          </p:style>
+          <p:txBody>
+            <a:bodyPr rtlCol="0" anchor="ctr"/>
+            <a:lstStyle/>
+            <a:p>
+              <a:pPr algn="ctr"/>
+              <a:endParaRPr lang="zh-CN" altLang="en-US">
+                <a:ln>
+                  <a:solidFill>
+                    <a:schemeClr val="tx1"/>
+                  </a:solidFill>
+                  <a:prstDash val="dash"/>
+                </a:ln>
+              </a:endParaRPr>
+            </a:p>
+          </p:txBody>
+        </p:sp>
+      </p:grpSp>
+      <p:sp>
+        <p:nvSpPr>
+          <p:cNvPr id="4" name="下箭头 3"/>
+          <p:cNvSpPr/>
+          <p:nvPr/>
+        </p:nvSpPr>
+        <p:spPr>
+          <a:xfrm>
+            <a:off x="5076734" y="1676400"/>
+            <a:ext cx="176258" cy="344269"/>
+          </a:xfrm>
+          <a:prstGeom prst="downArrow">
+            <a:avLst/>
+          </a:prstGeom>
+        </p:spPr>
+        <p:style>
+          <a:lnRef idx="2">
+            <a:schemeClr val="dk1">
+              <a:shade val="50000"/>
+            </a:schemeClr>
+          </a:lnRef>
+          <a:fillRef idx="1">
+            <a:schemeClr val="dk1"/>
+          </a:fillRef>
+          <a:effectRef idx="0">
+            <a:schemeClr val="dk1"/>
+          </a:effectRef>
+          <a:fontRef idx="minor">
+            <a:schemeClr val="lt1"/>
+          </a:fontRef>
+        </p:style>
+        <p:txBody>
+          <a:bodyPr rtlCol="0" anchor="ctr"/>
+          <a:lstStyle/>
+          <a:p>
+            <a:pPr algn="ctr"/>
+            <a:endParaRPr lang="zh-CN" altLang="en-US"/>
           </a:p>
         </p:txBody>
       </p:sp>
@@ -9522,7 +9995,7 @@
             </p:nvSpPr>
             <p:spPr>
               <a:xfrm>
-                <a:off x="5875327" y="2667000"/>
+                <a:off x="5943600" y="2667000"/>
                 <a:ext cx="371384" cy="369332"/>
               </a:xfrm>
               <a:prstGeom prst="rect">
@@ -9589,14 +10062,14 @@
             </p:nvSpPr>
             <p:spPr>
               <a:xfrm>
-                <a:off x="5875327" y="2667000"/>
+                <a:off x="5943600" y="2667000"/>
                 <a:ext cx="371384" cy="369332"/>
               </a:xfrm>
               <a:prstGeom prst="rect">
                 <a:avLst/>
               </a:prstGeom>
               <a:blipFill rotWithShape="1">
-                <a:blip r:embed="rId10"/>
+                <a:blip r:embed="rId4"/>
                 <a:stretch>
                   <a:fillRect t="-6667" r="-8197" b="-5000"/>
                 </a:stretch>
@@ -9607,7 +10080,7 @@
               <a:lstStyle/>
               <a:p>
                 <a:r>
-                  <a:rPr lang="en-US">
+                  <a:rPr lang="zh-CN" altLang="en-US">
                     <a:noFill/>
                   </a:rPr>
                   <a:t> </a:t>
@@ -10810,6 +11283,44 @@
           </p:sp>
         </mc:Fallback>
       </mc:AlternateContent>
+      <p:sp>
+        <p:nvSpPr>
+          <p:cNvPr id="28" name="TextBox 27"/>
+          <p:cNvSpPr txBox="1"/>
+          <p:nvPr/>
+        </p:nvSpPr>
+        <p:spPr>
+          <a:xfrm>
+            <a:off x="5616140" y="2133600"/>
+            <a:ext cx="1034770" cy="584775"/>
+          </a:xfrm>
+          <a:prstGeom prst="rect">
+            <a:avLst/>
+          </a:prstGeom>
+          <a:noFill/>
+        </p:spPr>
+        <p:txBody>
+          <a:bodyPr wrap="none" rtlCol="0">
+            <a:spAutoFit/>
+          </a:bodyPr>
+          <a:lstStyle/>
+          <a:p>
+            <a:pPr algn="ctr"/>
+            <a:r>
+              <a:rPr lang="en-US" sz="1600" dirty="0" smtClean="0"/>
+              <a:t>Student</a:t>
+            </a:r>
+          </a:p>
+          <a:p>
+            <a:pPr algn="ctr"/>
+            <a:r>
+              <a:rPr lang="en-US" sz="1600" dirty="0" smtClean="0"/>
+              <a:t>Prediction</a:t>
+            </a:r>
+            <a:endParaRPr lang="en-US" sz="1600" dirty="0"/>
+          </a:p>
+        </p:txBody>
+      </p:sp>
     </p:spTree>
     <p:extLst>
       <p:ext uri="{BB962C8B-B14F-4D97-AF65-F5344CB8AC3E}">
